--- a/semeter1/DSP/Final_HND - Process.PPTX
+++ b/semeter1/DSP/Final_HND - Process.PPTX
@@ -216,7 +216,7 @@
           <a:p>
             <a:fld id="{D6357AC9-B4BA-44F7-9558-9CD0769A9A0A}" type="datetimeFigureOut">
               <a:rPr lang="en-US" smtClean="0"/>
-              <a:t>5/2/2024</a:t>
+              <a:t>5/4/2024</a:t>
             </a:fld>
             <a:endParaRPr lang="en-US"/>
           </a:p>
